--- a/Team 12 Final Presentation.pptx
+++ b/Team 12 Final Presentation.pptx
@@ -280,6 +280,11 @@
         <p15:guide id="1" pos="2880">
           <p15:clr>
             <a:srgbClr val="9AA0A6"/>
+          </p15:clr>
+        </p15:guide>
+        <p15:guide id="2" orient="horz" pos="1620">
+          <p15:clr>
+            <a:srgbClr val="A4A3A4"/>
           </p15:clr>
         </p15:guide>
       </p15:sldGuideLst>
@@ -24246,10 +24251,10 @@
               <a:buNone/>
             </a:pPr>
             <a:r>
-              <a:rPr lang="en" sz="1500" b="1" u="sng"/>
-              <a:t>AVERAGE SOLUTION:  SIMPLE LM</a:t>
+              <a:rPr lang="en" sz="1500" b="1" u="sng" dirty="0"/>
+              <a:t>AVERAGE SOLUTION:  LOG REG</a:t>
             </a:r>
-            <a:endParaRPr sz="1500" b="1" u="sng" dirty="0"/>
+            <a:endParaRPr lang="en-US" sz="1500" b="1" u="sng" dirty="0"/>
           </a:p>
           <a:p>
             <a:pPr marL="0" lvl="0" indent="0" algn="ctr" rtl="0">
@@ -24264,7 +24269,7 @@
               </a:spcAft>
               <a:buNone/>
             </a:pPr>
-            <a:endParaRPr sz="300" b="1" u="sng" dirty="0"/>
+            <a:endParaRPr lang="en-US" sz="300" b="1" u="sng" dirty="0"/>
           </a:p>
           <a:p>
             <a:pPr marL="0" lvl="0" indent="0" algn="l" rtl="0">
@@ -24295,7 +24300,7 @@
               <a:buNone/>
             </a:pPr>
             <a:r>
-              <a:rPr lang="en" b="1" i="1"/>
+              <a:rPr lang="en" b="1" i="1" dirty="0"/>
               <a:t>AUC Score = 56.5%</a:t>
             </a:r>
             <a:endParaRPr sz="200" dirty="0"/>
@@ -24318,7 +24323,7 @@
               <a:buChar char="●"/>
             </a:pPr>
             <a:r>
-              <a:rPr lang="en">
+              <a:rPr lang="en" dirty="0">
                 <a:solidFill>
                   <a:schemeClr val="accent2"/>
                 </a:solidFill>
@@ -24368,7 +24373,7 @@
               <a:buChar char="●"/>
             </a:pPr>
             <a:r>
-              <a:rPr lang="en">
+              <a:rPr lang="en" dirty="0">
                 <a:solidFill>
                   <a:schemeClr val="accent2"/>
                 </a:solidFill>
@@ -24399,7 +24404,7 @@
               <a:buChar char="○"/>
             </a:pPr>
             <a:r>
-              <a:rPr lang="en" sz="1200">
+              <a:rPr lang="en" sz="1200" dirty="0">
                 <a:solidFill>
                   <a:schemeClr val="accent2"/>
                 </a:solidFill>
@@ -24446,7 +24451,7 @@
               <a:buChar char="●"/>
             </a:pPr>
             <a:r>
-              <a:rPr lang="en"/>
+              <a:rPr lang="en" dirty="0"/>
               <a:t>Confusion matrix not intuitive</a:t>
             </a:r>
             <a:endParaRPr dirty="0"/>
@@ -24484,7 +24489,7 @@
               <a:buChar char="●"/>
             </a:pPr>
             <a:r>
-              <a:rPr lang="en">
+              <a:rPr lang="en" dirty="0">
                 <a:solidFill>
                   <a:schemeClr val="accent2"/>
                 </a:solidFill>
@@ -24515,7 +24520,7 @@
               <a:buChar char="○"/>
             </a:pPr>
             <a:r>
-              <a:rPr lang="en" sz="1200">
+              <a:rPr lang="en" sz="1200" dirty="0">
                 <a:solidFill>
                   <a:schemeClr val="accent2"/>
                 </a:solidFill>
@@ -34002,7 +34007,7 @@
               <a:buChar char="●"/>
             </a:pPr>
             <a:r>
-              <a:rPr lang="en" sz="1700">
+              <a:rPr lang="en" sz="1700" dirty="0">
                 <a:latin typeface="DM Sans Medium"/>
                 <a:ea typeface="DM Sans Medium"/>
                 <a:cs typeface="DM Sans Medium"/>
@@ -34047,7 +34052,7 @@
               <a:buChar char="○"/>
             </a:pPr>
             <a:r>
-              <a:rPr lang="en" sz="1500"/>
+              <a:rPr lang="en" sz="1500" dirty="0"/>
               <a:t>Requires preprocessing to improve classifications</a:t>
             </a:r>
             <a:endParaRPr sz="1500" dirty="0"/>
@@ -34083,7 +34088,7 @@
               <a:buChar char="●"/>
             </a:pPr>
             <a:r>
-              <a:rPr lang="en" sz="1700">
+              <a:rPr lang="en" sz="1700" dirty="0">
                 <a:latin typeface="DM Sans Medium"/>
                 <a:ea typeface="DM Sans Medium"/>
                 <a:cs typeface="DM Sans Medium"/>
@@ -34129,7 +34134,7 @@
               <a:buChar char="●"/>
             </a:pPr>
             <a:r>
-              <a:rPr lang="en" sz="1700">
+              <a:rPr lang="en" sz="1700" dirty="0">
                 <a:latin typeface="DM Sans Medium"/>
                 <a:ea typeface="DM Sans Medium"/>
                 <a:cs typeface="DM Sans Medium"/>
@@ -34174,8 +34179,8 @@
               <a:buChar char="○"/>
             </a:pPr>
             <a:r>
-              <a:rPr lang="en" sz="1500"/>
-              <a:t>Depends on business context and priorities of the client</a:t>
+              <a:rPr lang="en" sz="1500" dirty="0"/>
+              <a:t>Depends on business context and priorities of the organization</a:t>
             </a:r>
             <a:endParaRPr sz="1500" dirty="0"/>
           </a:p>
